--- a/Business Objective and Data.pptx
+++ b/Business Objective and Data.pptx
@@ -12974,7 +12974,7 @@
           <a:lstStyle/>
           <a:p>
             <a:r>
-              <a:rPr lang="en-US" dirty="0"/>
+              <a:rPr lang="en-US" sz="1200" dirty="0"/>
               <a:t>The dataset contains collision data along with severity for each collision along with other datapoints associated with collision . The key attributes which are influential in determining a collision &amp; its severity include </a:t>
             </a:r>
           </a:p>
@@ -12983,7 +12983,7 @@
               <a:buAutoNum type="arabicPeriod"/>
             </a:pPr>
             <a:r>
-              <a:rPr lang="en-US" dirty="0"/>
+              <a:rPr lang="en-US" sz="1200" dirty="0"/>
               <a:t>Weather</a:t>
             </a:r>
           </a:p>
@@ -12992,7 +12992,7 @@
               <a:buAutoNum type="arabicPeriod"/>
             </a:pPr>
             <a:r>
-              <a:rPr lang="en-US" dirty="0"/>
+              <a:rPr lang="en-US" sz="1100" dirty="0"/>
               <a:t>Road conditions</a:t>
             </a:r>
           </a:p>
@@ -13001,7 +13001,7 @@
               <a:buAutoNum type="arabicPeriod"/>
             </a:pPr>
             <a:r>
-              <a:rPr lang="en-US" dirty="0"/>
+              <a:rPr lang="en-US" sz="1200" dirty="0"/>
               <a:t>Light conditions</a:t>
             </a:r>
           </a:p>
@@ -13010,7 +13010,7 @@
               <a:buAutoNum type="arabicPeriod"/>
             </a:pPr>
             <a:r>
-              <a:rPr lang="en-US" dirty="0"/>
+              <a:rPr lang="en-US" sz="1200" dirty="0"/>
               <a:t>Speed</a:t>
             </a:r>
           </a:p>
@@ -13019,31 +13019,51 @@
               <a:buAutoNum type="arabicPeriod"/>
             </a:pPr>
             <a:r>
-              <a:rPr lang="en-US" dirty="0"/>
+              <a:rPr lang="en-US" sz="1200" dirty="0"/>
               <a:t>Location of collision </a:t>
             </a:r>
           </a:p>
           <a:p>
             <a:pPr marL="15874" indent="0"/>
             <a:r>
-              <a:rPr lang="en-US" dirty="0"/>
-              <a:t>Based on these attributes we will look to predict the severity of the collision based on these factors. This solution will help ambulance &amp; medical authorities to be prewarned before they reach the site of accident and make preparations based in advance. . It will also help authorities identify key aspects which cause high collision and prepare warnings , road improvements and other civic actions</a:t>
-            </a:r>
+              <a:rPr lang="en-US" sz="1200" dirty="0"/>
+              <a:t>This solution will help </a:t>
+            </a:r>
+            <a:r>
+              <a:rPr lang="en-US" sz="1200" b="1" dirty="0"/>
+              <a:t>ambulance &amp; medical authorities </a:t>
+            </a:r>
+            <a:r>
+              <a:rPr lang="en-US" sz="1200" dirty="0"/>
+              <a:t>to be prewarned before they reach the site of accident and make preparations based in advance .It will also </a:t>
+            </a:r>
+            <a:r>
+              <a:rPr lang="en-US" sz="1200" b="1" dirty="0"/>
+              <a:t>help government authorities </a:t>
+            </a:r>
+            <a:r>
+              <a:rPr lang="en-US" sz="1200" dirty="0"/>
+              <a:t>identify key aspects which cause high collision and prepare warnings , road improvements and other civic actions. For example knowing that a situation where its Raining with  Wet road conditions ,  Dark lighting conditions /No Street Lights could increase severity of collision – the  government and authorities could put warning displays in advance in awareness of such situations </a:t>
+            </a:r>
+          </a:p>
+          <a:p>
+            <a:pPr marL="15874" indent="0"/>
+            <a:endParaRPr lang="en-US" sz="1200" dirty="0"/>
           </a:p>
           <a:p>
             <a:pPr marL="358774" indent="-342900">
               <a:buAutoNum type="arabicPeriod"/>
             </a:pPr>
-            <a:endParaRPr lang="en-US" dirty="0"/>
-          </a:p>
-          <a:p>
-            <a:r>
-              <a:rPr lang="en-US" dirty="0"/>
+            <a:endParaRPr lang="en-US" sz="1200" dirty="0"/>
+          </a:p>
+          <a:p>
+            <a:r>
+              <a:rPr lang="en-US" sz="1200" dirty="0"/>
               <a:t>.</a:t>
             </a:r>
           </a:p>
           <a:p>
-            <a:endParaRPr lang="en-US" dirty="0"/>
+            <a:endParaRPr lang="en-US" sz="1200" dirty="0"/>
           </a:p>
         </p:txBody>
       </p:sp>
@@ -13199,7 +13219,23 @@
           <a:p>
             <a:r>
               <a:rPr lang="en-US" dirty="0"/>
-              <a:t>We will use the Coursera Capstone Collision data to make the analysis.  The weather light &amp; road conditions data will be used to predict the severity of the collision . This will be also accompanied by other drivers like location of accident , type of vehicles involved to predict the severity of collision </a:t>
+              <a:t>We will use the Coursera Capstone Collision data to make the analysis (</a:t>
+            </a:r>
+            <a:r>
+              <a:rPr lang="en-US" dirty="0">
+                <a:hlinkClick r:id="rId2"/>
+              </a:rPr>
+              <a:t>https://s3.us.cloud-object-storage.appdomain.cloud/cf-courses-data/CognitiveClass/DP0701EN/version-2/Data-Collisions.csv</a:t>
+            </a:r>
+            <a:r>
+              <a:rPr lang="en-US" dirty="0"/>
+              <a:t>) . The weather light &amp; road conditions data will be used to predict the severity of the collision . This will be also accompanied by other criterion like location of accident , type of vehicles involved to predict the severity of collision </a:t>
+            </a:r>
+          </a:p>
+          <a:p>
+            <a:r>
+              <a:rPr lang="en-US" dirty="0"/>
+              <a:t>For example an assumption could be that Raining with  Wet road conditions ,  Dark lighting conditions /No Street Lights could increase severity of collision </a:t>
             </a:r>
           </a:p>
         </p:txBody>
